--- a/ppt 16-9/0736.我别无所求.pptx
+++ b/ppt 16-9/0736.我别无所求.pptx
@@ -5,7 +5,7 @@
     <p:sldMasterId id="2147483648" r:id="rId1"/>
   </p:sldMasterIdLst>
   <p:sldIdLst>
-    <p:sldId id="1979" r:id="rId2"/>
+    <p:sldId id="1980" r:id="rId2"/>
   </p:sldIdLst>
   <p:sldSz cx="12192000" cy="6858000"/>
   <p:notesSz cx="6858000" cy="9144000"/>
@@ -129,7 +129,7 @@
           <p:cNvPr id="2" name="标题 1">
             <a:extLst>
               <a:ext uri="{FF2B5EF4-FFF2-40B4-BE49-F238E27FC236}">
-                <a16:creationId xmlns:a16="http://schemas.microsoft.com/office/drawing/2014/main" id="{A00CCD76-77EB-7D9A-2868-AC8D5EDD42F2}"/>
+                <a16:creationId xmlns:a16="http://schemas.microsoft.com/office/drawing/2014/main" id="{C352D784-1675-5EAB-F69A-639B961CB0D1}"/>
               </a:ext>
             </a:extLst>
           </p:cNvPr>
@@ -166,7 +166,7 @@
           <p:cNvPr id="3" name="副标题 2">
             <a:extLst>
               <a:ext uri="{FF2B5EF4-FFF2-40B4-BE49-F238E27FC236}">
-                <a16:creationId xmlns:a16="http://schemas.microsoft.com/office/drawing/2014/main" id="{C68DC61B-D89A-55CB-0DC3-85B70875A40C}"/>
+                <a16:creationId xmlns:a16="http://schemas.microsoft.com/office/drawing/2014/main" id="{C41F6B88-D24D-66F6-DFD2-AB031CA40D67}"/>
               </a:ext>
             </a:extLst>
           </p:cNvPr>
@@ -236,7 +236,7 @@
           <p:cNvPr id="4" name="日期占位符 3">
             <a:extLst>
               <a:ext uri="{FF2B5EF4-FFF2-40B4-BE49-F238E27FC236}">
-                <a16:creationId xmlns:a16="http://schemas.microsoft.com/office/drawing/2014/main" id="{6C7B7FCE-51A7-E186-1ED6-99071365FB5C}"/>
+                <a16:creationId xmlns:a16="http://schemas.microsoft.com/office/drawing/2014/main" id="{EC53298B-1237-4C26-E992-9F75671D3264}"/>
               </a:ext>
             </a:extLst>
           </p:cNvPr>
@@ -252,7 +252,7 @@
           <a:bodyPr/>
           <a:lstStyle/>
           <a:p>
-            <a:fld id="{447A773B-5F38-40C9-9B92-3E3E66926537}" type="datetimeFigureOut">
+            <a:fld id="{D8618766-EDF6-4EC1-8B0B-D1DBC891E083}" type="datetimeFigureOut">
               <a:rPr lang="zh-CN" altLang="en-US" smtClean="0"/>
               <a:t>2024/3/10</a:t>
             </a:fld>
@@ -265,7 +265,7 @@
           <p:cNvPr id="5" name="页脚占位符 4">
             <a:extLst>
               <a:ext uri="{FF2B5EF4-FFF2-40B4-BE49-F238E27FC236}">
-                <a16:creationId xmlns:a16="http://schemas.microsoft.com/office/drawing/2014/main" id="{73F092AF-3B45-B748-D443-2BA2B6B51FEE}"/>
+                <a16:creationId xmlns:a16="http://schemas.microsoft.com/office/drawing/2014/main" id="{27483563-1D77-6D85-FCB7-4DCDE14DEAA5}"/>
               </a:ext>
             </a:extLst>
           </p:cNvPr>
@@ -290,7 +290,7 @@
           <p:cNvPr id="6" name="灯片编号占位符 5">
             <a:extLst>
               <a:ext uri="{FF2B5EF4-FFF2-40B4-BE49-F238E27FC236}">
-                <a16:creationId xmlns:a16="http://schemas.microsoft.com/office/drawing/2014/main" id="{1C34348E-303D-19F7-2DE4-CF2F3B7BF49F}"/>
+                <a16:creationId xmlns:a16="http://schemas.microsoft.com/office/drawing/2014/main" id="{B8B8C326-6483-F8E8-A65A-4F8B29D9B6A0}"/>
               </a:ext>
             </a:extLst>
           </p:cNvPr>
@@ -306,7 +306,7 @@
           <a:bodyPr/>
           <a:lstStyle/>
           <a:p>
-            <a:fld id="{93D7060A-DA31-4792-A82C-ACA165BB327E}" type="slidenum">
+            <a:fld id="{982A9F3E-6540-4162-AC48-19594DF5F54A}" type="slidenum">
               <a:rPr lang="zh-CN" altLang="en-US" smtClean="0"/>
               <a:t>‹#›</a:t>
             </a:fld>
@@ -317,7 +317,7 @@
     </p:spTree>
     <p:extLst>
       <p:ext uri="{BB962C8B-B14F-4D97-AF65-F5344CB8AC3E}">
-        <p14:creationId xmlns:p14="http://schemas.microsoft.com/office/powerpoint/2010/main" val="763369907"/>
+        <p14:creationId xmlns:p14="http://schemas.microsoft.com/office/powerpoint/2010/main" val="3346393157"/>
       </p:ext>
     </p:extLst>
   </p:cSld>
@@ -349,7 +349,7 @@
           <p:cNvPr id="2" name="标题 1">
             <a:extLst>
               <a:ext uri="{FF2B5EF4-FFF2-40B4-BE49-F238E27FC236}">
-                <a16:creationId xmlns:a16="http://schemas.microsoft.com/office/drawing/2014/main" id="{12B3C07B-51E1-DA2F-E8CC-8B3EAD264C13}"/>
+                <a16:creationId xmlns:a16="http://schemas.microsoft.com/office/drawing/2014/main" id="{A6E05938-6CC0-AD37-DD75-72A03AC4B4C6}"/>
               </a:ext>
             </a:extLst>
           </p:cNvPr>
@@ -377,7 +377,7 @@
           <p:cNvPr id="3" name="竖排文字占位符 2">
             <a:extLst>
               <a:ext uri="{FF2B5EF4-FFF2-40B4-BE49-F238E27FC236}">
-                <a16:creationId xmlns:a16="http://schemas.microsoft.com/office/drawing/2014/main" id="{0CCDC191-24BE-5DA4-1238-39D76AF33280}"/>
+                <a16:creationId xmlns:a16="http://schemas.microsoft.com/office/drawing/2014/main" id="{E969E8E2-A5EC-4676-DDA7-5A86CEC30BB0}"/>
               </a:ext>
             </a:extLst>
           </p:cNvPr>
@@ -434,7 +434,7 @@
           <p:cNvPr id="4" name="日期占位符 3">
             <a:extLst>
               <a:ext uri="{FF2B5EF4-FFF2-40B4-BE49-F238E27FC236}">
-                <a16:creationId xmlns:a16="http://schemas.microsoft.com/office/drawing/2014/main" id="{D60725CC-EB43-DAA3-E59D-93E6067679D1}"/>
+                <a16:creationId xmlns:a16="http://schemas.microsoft.com/office/drawing/2014/main" id="{A6889095-55C1-9AAF-2FC4-CF875BF86167}"/>
               </a:ext>
             </a:extLst>
           </p:cNvPr>
@@ -450,7 +450,7 @@
           <a:bodyPr/>
           <a:lstStyle/>
           <a:p>
-            <a:fld id="{447A773B-5F38-40C9-9B92-3E3E66926537}" type="datetimeFigureOut">
+            <a:fld id="{D8618766-EDF6-4EC1-8B0B-D1DBC891E083}" type="datetimeFigureOut">
               <a:rPr lang="zh-CN" altLang="en-US" smtClean="0"/>
               <a:t>2024/3/10</a:t>
             </a:fld>
@@ -463,7 +463,7 @@
           <p:cNvPr id="5" name="页脚占位符 4">
             <a:extLst>
               <a:ext uri="{FF2B5EF4-FFF2-40B4-BE49-F238E27FC236}">
-                <a16:creationId xmlns:a16="http://schemas.microsoft.com/office/drawing/2014/main" id="{22FA3D19-E3EA-D047-2381-003F27E27BBA}"/>
+                <a16:creationId xmlns:a16="http://schemas.microsoft.com/office/drawing/2014/main" id="{C1D66AD0-23B8-4A0B-2354-03E7850F0D27}"/>
               </a:ext>
             </a:extLst>
           </p:cNvPr>
@@ -488,7 +488,7 @@
           <p:cNvPr id="6" name="灯片编号占位符 5">
             <a:extLst>
               <a:ext uri="{FF2B5EF4-FFF2-40B4-BE49-F238E27FC236}">
-                <a16:creationId xmlns:a16="http://schemas.microsoft.com/office/drawing/2014/main" id="{338F4871-1834-FF2C-20D1-1494FE04312B}"/>
+                <a16:creationId xmlns:a16="http://schemas.microsoft.com/office/drawing/2014/main" id="{A411F84B-0F3A-FD05-3F1D-401E7D365B27}"/>
               </a:ext>
             </a:extLst>
           </p:cNvPr>
@@ -504,7 +504,7 @@
           <a:bodyPr/>
           <a:lstStyle/>
           <a:p>
-            <a:fld id="{93D7060A-DA31-4792-A82C-ACA165BB327E}" type="slidenum">
+            <a:fld id="{982A9F3E-6540-4162-AC48-19594DF5F54A}" type="slidenum">
               <a:rPr lang="zh-CN" altLang="en-US" smtClean="0"/>
               <a:t>‹#›</a:t>
             </a:fld>
@@ -515,7 +515,7 @@
     </p:spTree>
     <p:extLst>
       <p:ext uri="{BB962C8B-B14F-4D97-AF65-F5344CB8AC3E}">
-        <p14:creationId xmlns:p14="http://schemas.microsoft.com/office/powerpoint/2010/main" val="3634890901"/>
+        <p14:creationId xmlns:p14="http://schemas.microsoft.com/office/powerpoint/2010/main" val="3992172981"/>
       </p:ext>
     </p:extLst>
   </p:cSld>
@@ -547,7 +547,7 @@
           <p:cNvPr id="2" name="竖排标题 1">
             <a:extLst>
               <a:ext uri="{FF2B5EF4-FFF2-40B4-BE49-F238E27FC236}">
-                <a16:creationId xmlns:a16="http://schemas.microsoft.com/office/drawing/2014/main" id="{A5392B10-2E9E-E967-7CED-B0812E9B2168}"/>
+                <a16:creationId xmlns:a16="http://schemas.microsoft.com/office/drawing/2014/main" id="{2A2DC076-0ABA-54A1-0738-BA8ACDF64702}"/>
               </a:ext>
             </a:extLst>
           </p:cNvPr>
@@ -580,7 +580,7 @@
           <p:cNvPr id="3" name="竖排文字占位符 2">
             <a:extLst>
               <a:ext uri="{FF2B5EF4-FFF2-40B4-BE49-F238E27FC236}">
-                <a16:creationId xmlns:a16="http://schemas.microsoft.com/office/drawing/2014/main" id="{BDAA3612-8242-5170-0542-6A11F553EDB4}"/>
+                <a16:creationId xmlns:a16="http://schemas.microsoft.com/office/drawing/2014/main" id="{50A4C94A-FFBF-A98D-817B-A3B9FA996B63}"/>
               </a:ext>
             </a:extLst>
           </p:cNvPr>
@@ -642,7 +642,7 @@
           <p:cNvPr id="4" name="日期占位符 3">
             <a:extLst>
               <a:ext uri="{FF2B5EF4-FFF2-40B4-BE49-F238E27FC236}">
-                <a16:creationId xmlns:a16="http://schemas.microsoft.com/office/drawing/2014/main" id="{D5E52812-01E4-AB26-1C7B-61441AD3C230}"/>
+                <a16:creationId xmlns:a16="http://schemas.microsoft.com/office/drawing/2014/main" id="{C476E033-5D12-DBB4-B6AD-CBCF4359EE2F}"/>
               </a:ext>
             </a:extLst>
           </p:cNvPr>
@@ -658,7 +658,7 @@
           <a:bodyPr/>
           <a:lstStyle/>
           <a:p>
-            <a:fld id="{447A773B-5F38-40C9-9B92-3E3E66926537}" type="datetimeFigureOut">
+            <a:fld id="{D8618766-EDF6-4EC1-8B0B-D1DBC891E083}" type="datetimeFigureOut">
               <a:rPr lang="zh-CN" altLang="en-US" smtClean="0"/>
               <a:t>2024/3/10</a:t>
             </a:fld>
@@ -671,7 +671,7 @@
           <p:cNvPr id="5" name="页脚占位符 4">
             <a:extLst>
               <a:ext uri="{FF2B5EF4-FFF2-40B4-BE49-F238E27FC236}">
-                <a16:creationId xmlns:a16="http://schemas.microsoft.com/office/drawing/2014/main" id="{6CD04D8D-6FB0-BF94-AD05-F1F96FEA02DA}"/>
+                <a16:creationId xmlns:a16="http://schemas.microsoft.com/office/drawing/2014/main" id="{C83490E9-D6A2-823F-46B4-281152AE607F}"/>
               </a:ext>
             </a:extLst>
           </p:cNvPr>
@@ -696,7 +696,7 @@
           <p:cNvPr id="6" name="灯片编号占位符 5">
             <a:extLst>
               <a:ext uri="{FF2B5EF4-FFF2-40B4-BE49-F238E27FC236}">
-                <a16:creationId xmlns:a16="http://schemas.microsoft.com/office/drawing/2014/main" id="{644A6E78-7768-4072-4E3C-DA414AA71D44}"/>
+                <a16:creationId xmlns:a16="http://schemas.microsoft.com/office/drawing/2014/main" id="{A31D2C83-D73E-8CE5-67E5-B91F996C8B1A}"/>
               </a:ext>
             </a:extLst>
           </p:cNvPr>
@@ -712,7 +712,7 @@
           <a:bodyPr/>
           <a:lstStyle/>
           <a:p>
-            <a:fld id="{93D7060A-DA31-4792-A82C-ACA165BB327E}" type="slidenum">
+            <a:fld id="{982A9F3E-6540-4162-AC48-19594DF5F54A}" type="slidenum">
               <a:rPr lang="zh-CN" altLang="en-US" smtClean="0"/>
               <a:t>‹#›</a:t>
             </a:fld>
@@ -723,7 +723,7 @@
     </p:spTree>
     <p:extLst>
       <p:ext uri="{BB962C8B-B14F-4D97-AF65-F5344CB8AC3E}">
-        <p14:creationId xmlns:p14="http://schemas.microsoft.com/office/powerpoint/2010/main" val="3480129278"/>
+        <p14:creationId xmlns:p14="http://schemas.microsoft.com/office/powerpoint/2010/main" val="2221759563"/>
       </p:ext>
     </p:extLst>
   </p:cSld>
@@ -755,7 +755,7 @@
           <p:cNvPr id="2" name="标题 1">
             <a:extLst>
               <a:ext uri="{FF2B5EF4-FFF2-40B4-BE49-F238E27FC236}">
-                <a16:creationId xmlns:a16="http://schemas.microsoft.com/office/drawing/2014/main" id="{19E6C9D0-8A48-2E93-3CB6-C1CDF6B2B9B9}"/>
+                <a16:creationId xmlns:a16="http://schemas.microsoft.com/office/drawing/2014/main" id="{66A1DC77-6DD1-851A-B2D4-02D06989F898}"/>
               </a:ext>
             </a:extLst>
           </p:cNvPr>
@@ -783,7 +783,7 @@
           <p:cNvPr id="3" name="内容占位符 2">
             <a:extLst>
               <a:ext uri="{FF2B5EF4-FFF2-40B4-BE49-F238E27FC236}">
-                <a16:creationId xmlns:a16="http://schemas.microsoft.com/office/drawing/2014/main" id="{4C56E414-A8C3-A5A3-83BF-132781819D30}"/>
+                <a16:creationId xmlns:a16="http://schemas.microsoft.com/office/drawing/2014/main" id="{83EB24FA-B482-7B88-CA42-5D0AB6725747}"/>
               </a:ext>
             </a:extLst>
           </p:cNvPr>
@@ -840,7 +840,7 @@
           <p:cNvPr id="4" name="日期占位符 3">
             <a:extLst>
               <a:ext uri="{FF2B5EF4-FFF2-40B4-BE49-F238E27FC236}">
-                <a16:creationId xmlns:a16="http://schemas.microsoft.com/office/drawing/2014/main" id="{6F9A710B-90D4-B84C-9523-3C88B8913A59}"/>
+                <a16:creationId xmlns:a16="http://schemas.microsoft.com/office/drawing/2014/main" id="{FA38831A-40CC-8473-4232-99CD1B2D63A6}"/>
               </a:ext>
             </a:extLst>
           </p:cNvPr>
@@ -856,7 +856,7 @@
           <a:bodyPr/>
           <a:lstStyle/>
           <a:p>
-            <a:fld id="{447A773B-5F38-40C9-9B92-3E3E66926537}" type="datetimeFigureOut">
+            <a:fld id="{D8618766-EDF6-4EC1-8B0B-D1DBC891E083}" type="datetimeFigureOut">
               <a:rPr lang="zh-CN" altLang="en-US" smtClean="0"/>
               <a:t>2024/3/10</a:t>
             </a:fld>
@@ -869,7 +869,7 @@
           <p:cNvPr id="5" name="页脚占位符 4">
             <a:extLst>
               <a:ext uri="{FF2B5EF4-FFF2-40B4-BE49-F238E27FC236}">
-                <a16:creationId xmlns:a16="http://schemas.microsoft.com/office/drawing/2014/main" id="{F58317A0-89EF-3CBB-A87A-68D46AA02880}"/>
+                <a16:creationId xmlns:a16="http://schemas.microsoft.com/office/drawing/2014/main" id="{0E9859E8-3077-7A77-A5A4-ED3910F0124B}"/>
               </a:ext>
             </a:extLst>
           </p:cNvPr>
@@ -894,7 +894,7 @@
           <p:cNvPr id="6" name="灯片编号占位符 5">
             <a:extLst>
               <a:ext uri="{FF2B5EF4-FFF2-40B4-BE49-F238E27FC236}">
-                <a16:creationId xmlns:a16="http://schemas.microsoft.com/office/drawing/2014/main" id="{7350C3C8-9665-6270-9AFD-CE82C91E90F9}"/>
+                <a16:creationId xmlns:a16="http://schemas.microsoft.com/office/drawing/2014/main" id="{FCA91DF0-692A-08AE-9103-20EB3826061A}"/>
               </a:ext>
             </a:extLst>
           </p:cNvPr>
@@ -910,7 +910,7 @@
           <a:bodyPr/>
           <a:lstStyle/>
           <a:p>
-            <a:fld id="{93D7060A-DA31-4792-A82C-ACA165BB327E}" type="slidenum">
+            <a:fld id="{982A9F3E-6540-4162-AC48-19594DF5F54A}" type="slidenum">
               <a:rPr lang="zh-CN" altLang="en-US" smtClean="0"/>
               <a:t>‹#›</a:t>
             </a:fld>
@@ -921,7 +921,7 @@
     </p:spTree>
     <p:extLst>
       <p:ext uri="{BB962C8B-B14F-4D97-AF65-F5344CB8AC3E}">
-        <p14:creationId xmlns:p14="http://schemas.microsoft.com/office/powerpoint/2010/main" val="1376285511"/>
+        <p14:creationId xmlns:p14="http://schemas.microsoft.com/office/powerpoint/2010/main" val="3744167710"/>
       </p:ext>
     </p:extLst>
   </p:cSld>
@@ -953,7 +953,7 @@
           <p:cNvPr id="2" name="标题 1">
             <a:extLst>
               <a:ext uri="{FF2B5EF4-FFF2-40B4-BE49-F238E27FC236}">
-                <a16:creationId xmlns:a16="http://schemas.microsoft.com/office/drawing/2014/main" id="{3A477A20-EFEC-1175-D98E-D9CE8A24E212}"/>
+                <a16:creationId xmlns:a16="http://schemas.microsoft.com/office/drawing/2014/main" id="{97747E9E-8C56-CF30-2A2F-D136C6125A18}"/>
               </a:ext>
             </a:extLst>
           </p:cNvPr>
@@ -990,7 +990,7 @@
           <p:cNvPr id="3" name="文本占位符 2">
             <a:extLst>
               <a:ext uri="{FF2B5EF4-FFF2-40B4-BE49-F238E27FC236}">
-                <a16:creationId xmlns:a16="http://schemas.microsoft.com/office/drawing/2014/main" id="{C4473ED8-F0B2-C9EA-2FBC-797A13D27CE1}"/>
+                <a16:creationId xmlns:a16="http://schemas.microsoft.com/office/drawing/2014/main" id="{03A26E8A-7356-68A4-9AA4-AADC3387DC81}"/>
               </a:ext>
             </a:extLst>
           </p:cNvPr>
@@ -1115,7 +1115,7 @@
           <p:cNvPr id="4" name="日期占位符 3">
             <a:extLst>
               <a:ext uri="{FF2B5EF4-FFF2-40B4-BE49-F238E27FC236}">
-                <a16:creationId xmlns:a16="http://schemas.microsoft.com/office/drawing/2014/main" id="{13E4F98A-60A6-B199-C622-9B68E9E4BDE7}"/>
+                <a16:creationId xmlns:a16="http://schemas.microsoft.com/office/drawing/2014/main" id="{A88CB077-2598-80C4-05CA-BFD0FFBF53B0}"/>
               </a:ext>
             </a:extLst>
           </p:cNvPr>
@@ -1131,7 +1131,7 @@
           <a:bodyPr/>
           <a:lstStyle/>
           <a:p>
-            <a:fld id="{447A773B-5F38-40C9-9B92-3E3E66926537}" type="datetimeFigureOut">
+            <a:fld id="{D8618766-EDF6-4EC1-8B0B-D1DBC891E083}" type="datetimeFigureOut">
               <a:rPr lang="zh-CN" altLang="en-US" smtClean="0"/>
               <a:t>2024/3/10</a:t>
             </a:fld>
@@ -1144,7 +1144,7 @@
           <p:cNvPr id="5" name="页脚占位符 4">
             <a:extLst>
               <a:ext uri="{FF2B5EF4-FFF2-40B4-BE49-F238E27FC236}">
-                <a16:creationId xmlns:a16="http://schemas.microsoft.com/office/drawing/2014/main" id="{EC8CD889-C0AA-1494-2F3D-0ECB1D6EB1FB}"/>
+                <a16:creationId xmlns:a16="http://schemas.microsoft.com/office/drawing/2014/main" id="{28A77433-2F0F-D700-4E3E-C3FB69813A08}"/>
               </a:ext>
             </a:extLst>
           </p:cNvPr>
@@ -1169,7 +1169,7 @@
           <p:cNvPr id="6" name="灯片编号占位符 5">
             <a:extLst>
               <a:ext uri="{FF2B5EF4-FFF2-40B4-BE49-F238E27FC236}">
-                <a16:creationId xmlns:a16="http://schemas.microsoft.com/office/drawing/2014/main" id="{CD8DA09C-12AA-C89E-0477-854B866E5535}"/>
+                <a16:creationId xmlns:a16="http://schemas.microsoft.com/office/drawing/2014/main" id="{F3735D19-11EB-A448-40F8-5E63046BB589}"/>
               </a:ext>
             </a:extLst>
           </p:cNvPr>
@@ -1185,7 +1185,7 @@
           <a:bodyPr/>
           <a:lstStyle/>
           <a:p>
-            <a:fld id="{93D7060A-DA31-4792-A82C-ACA165BB327E}" type="slidenum">
+            <a:fld id="{982A9F3E-6540-4162-AC48-19594DF5F54A}" type="slidenum">
               <a:rPr lang="zh-CN" altLang="en-US" smtClean="0"/>
               <a:t>‹#›</a:t>
             </a:fld>
@@ -1196,7 +1196,7 @@
     </p:spTree>
     <p:extLst>
       <p:ext uri="{BB962C8B-B14F-4D97-AF65-F5344CB8AC3E}">
-        <p14:creationId xmlns:p14="http://schemas.microsoft.com/office/powerpoint/2010/main" val="3236383206"/>
+        <p14:creationId xmlns:p14="http://schemas.microsoft.com/office/powerpoint/2010/main" val="1606096919"/>
       </p:ext>
     </p:extLst>
   </p:cSld>
@@ -1228,7 +1228,7 @@
           <p:cNvPr id="2" name="标题 1">
             <a:extLst>
               <a:ext uri="{FF2B5EF4-FFF2-40B4-BE49-F238E27FC236}">
-                <a16:creationId xmlns:a16="http://schemas.microsoft.com/office/drawing/2014/main" id="{643D3B19-2ED0-F089-F71E-6883C1B3B9FA}"/>
+                <a16:creationId xmlns:a16="http://schemas.microsoft.com/office/drawing/2014/main" id="{7D96E92A-7492-A35B-90F4-674D44028F04}"/>
               </a:ext>
             </a:extLst>
           </p:cNvPr>
@@ -1256,7 +1256,7 @@
           <p:cNvPr id="3" name="内容占位符 2">
             <a:extLst>
               <a:ext uri="{FF2B5EF4-FFF2-40B4-BE49-F238E27FC236}">
-                <a16:creationId xmlns:a16="http://schemas.microsoft.com/office/drawing/2014/main" id="{815F9471-B6D8-C44C-0F2A-43B027AD8B37}"/>
+                <a16:creationId xmlns:a16="http://schemas.microsoft.com/office/drawing/2014/main" id="{62C478A7-BCEB-849E-F8DA-F5B0CA3E8D96}"/>
               </a:ext>
             </a:extLst>
           </p:cNvPr>
@@ -1318,7 +1318,7 @@
           <p:cNvPr id="4" name="内容占位符 3">
             <a:extLst>
               <a:ext uri="{FF2B5EF4-FFF2-40B4-BE49-F238E27FC236}">
-                <a16:creationId xmlns:a16="http://schemas.microsoft.com/office/drawing/2014/main" id="{46E619CB-EA9F-45D5-25ED-F386F53C046F}"/>
+                <a16:creationId xmlns:a16="http://schemas.microsoft.com/office/drawing/2014/main" id="{5B632363-E8C7-722F-7E92-BC82A876BCF9}"/>
               </a:ext>
             </a:extLst>
           </p:cNvPr>
@@ -1380,7 +1380,7 @@
           <p:cNvPr id="5" name="日期占位符 4">
             <a:extLst>
               <a:ext uri="{FF2B5EF4-FFF2-40B4-BE49-F238E27FC236}">
-                <a16:creationId xmlns:a16="http://schemas.microsoft.com/office/drawing/2014/main" id="{5FDA4D4E-D1FE-C470-2F76-BDB324FADEC8}"/>
+                <a16:creationId xmlns:a16="http://schemas.microsoft.com/office/drawing/2014/main" id="{88F5018C-FD1D-129E-D3F9-D76210D86060}"/>
               </a:ext>
             </a:extLst>
           </p:cNvPr>
@@ -1396,7 +1396,7 @@
           <a:bodyPr/>
           <a:lstStyle/>
           <a:p>
-            <a:fld id="{447A773B-5F38-40C9-9B92-3E3E66926537}" type="datetimeFigureOut">
+            <a:fld id="{D8618766-EDF6-4EC1-8B0B-D1DBC891E083}" type="datetimeFigureOut">
               <a:rPr lang="zh-CN" altLang="en-US" smtClean="0"/>
               <a:t>2024/3/10</a:t>
             </a:fld>
@@ -1409,7 +1409,7 @@
           <p:cNvPr id="6" name="页脚占位符 5">
             <a:extLst>
               <a:ext uri="{FF2B5EF4-FFF2-40B4-BE49-F238E27FC236}">
-                <a16:creationId xmlns:a16="http://schemas.microsoft.com/office/drawing/2014/main" id="{C6E8B097-9FE1-4FA0-B239-5F5F97DD9039}"/>
+                <a16:creationId xmlns:a16="http://schemas.microsoft.com/office/drawing/2014/main" id="{3240B836-26DE-F2B6-8FFA-4A1B1283CF95}"/>
               </a:ext>
             </a:extLst>
           </p:cNvPr>
@@ -1434,7 +1434,7 @@
           <p:cNvPr id="7" name="灯片编号占位符 6">
             <a:extLst>
               <a:ext uri="{FF2B5EF4-FFF2-40B4-BE49-F238E27FC236}">
-                <a16:creationId xmlns:a16="http://schemas.microsoft.com/office/drawing/2014/main" id="{5832A58C-2C92-62F3-B342-590E8A0BA094}"/>
+                <a16:creationId xmlns:a16="http://schemas.microsoft.com/office/drawing/2014/main" id="{A8967BBB-43A7-30A4-9692-A93601E20986}"/>
               </a:ext>
             </a:extLst>
           </p:cNvPr>
@@ -1450,7 +1450,7 @@
           <a:bodyPr/>
           <a:lstStyle/>
           <a:p>
-            <a:fld id="{93D7060A-DA31-4792-A82C-ACA165BB327E}" type="slidenum">
+            <a:fld id="{982A9F3E-6540-4162-AC48-19594DF5F54A}" type="slidenum">
               <a:rPr lang="zh-CN" altLang="en-US" smtClean="0"/>
               <a:t>‹#›</a:t>
             </a:fld>
@@ -1461,7 +1461,7 @@
     </p:spTree>
     <p:extLst>
       <p:ext uri="{BB962C8B-B14F-4D97-AF65-F5344CB8AC3E}">
-        <p14:creationId xmlns:p14="http://schemas.microsoft.com/office/powerpoint/2010/main" val="2463040347"/>
+        <p14:creationId xmlns:p14="http://schemas.microsoft.com/office/powerpoint/2010/main" val="4196435056"/>
       </p:ext>
     </p:extLst>
   </p:cSld>
@@ -1493,7 +1493,7 @@
           <p:cNvPr id="2" name="标题 1">
             <a:extLst>
               <a:ext uri="{FF2B5EF4-FFF2-40B4-BE49-F238E27FC236}">
-                <a16:creationId xmlns:a16="http://schemas.microsoft.com/office/drawing/2014/main" id="{542C460F-51B9-D7D5-0247-A7F9F7A350A0}"/>
+                <a16:creationId xmlns:a16="http://schemas.microsoft.com/office/drawing/2014/main" id="{264F49C2-4CDA-5A06-8983-C90D3149B578}"/>
               </a:ext>
             </a:extLst>
           </p:cNvPr>
@@ -1526,7 +1526,7 @@
           <p:cNvPr id="3" name="文本占位符 2">
             <a:extLst>
               <a:ext uri="{FF2B5EF4-FFF2-40B4-BE49-F238E27FC236}">
-                <a16:creationId xmlns:a16="http://schemas.microsoft.com/office/drawing/2014/main" id="{B96DCC84-A922-8247-7D01-FA7E788ADB4F}"/>
+                <a16:creationId xmlns:a16="http://schemas.microsoft.com/office/drawing/2014/main" id="{017CB841-C5A4-B900-5305-F27E34EC72B6}"/>
               </a:ext>
             </a:extLst>
           </p:cNvPr>
@@ -1597,7 +1597,7 @@
           <p:cNvPr id="4" name="内容占位符 3">
             <a:extLst>
               <a:ext uri="{FF2B5EF4-FFF2-40B4-BE49-F238E27FC236}">
-                <a16:creationId xmlns:a16="http://schemas.microsoft.com/office/drawing/2014/main" id="{0CA2FC88-AB0F-F933-117B-CF0A8A000EA3}"/>
+                <a16:creationId xmlns:a16="http://schemas.microsoft.com/office/drawing/2014/main" id="{42A659F6-A5DB-9ECA-A711-D9B89560330A}"/>
               </a:ext>
             </a:extLst>
           </p:cNvPr>
@@ -1659,7 +1659,7 @@
           <p:cNvPr id="5" name="文本占位符 4">
             <a:extLst>
               <a:ext uri="{FF2B5EF4-FFF2-40B4-BE49-F238E27FC236}">
-                <a16:creationId xmlns:a16="http://schemas.microsoft.com/office/drawing/2014/main" id="{5E85B18A-1643-6E2A-B211-C05E679CF653}"/>
+                <a16:creationId xmlns:a16="http://schemas.microsoft.com/office/drawing/2014/main" id="{C5778BC2-5253-4133-3DA7-C6FB9A6C6CA7}"/>
               </a:ext>
             </a:extLst>
           </p:cNvPr>
@@ -1730,7 +1730,7 @@
           <p:cNvPr id="6" name="内容占位符 5">
             <a:extLst>
               <a:ext uri="{FF2B5EF4-FFF2-40B4-BE49-F238E27FC236}">
-                <a16:creationId xmlns:a16="http://schemas.microsoft.com/office/drawing/2014/main" id="{5A70EDAC-6D76-0F4D-AD72-A843AB8B5FED}"/>
+                <a16:creationId xmlns:a16="http://schemas.microsoft.com/office/drawing/2014/main" id="{FE865C56-C5C5-D6A7-D5F3-46DA50F668F9}"/>
               </a:ext>
             </a:extLst>
           </p:cNvPr>
@@ -1792,7 +1792,7 @@
           <p:cNvPr id="7" name="日期占位符 6">
             <a:extLst>
               <a:ext uri="{FF2B5EF4-FFF2-40B4-BE49-F238E27FC236}">
-                <a16:creationId xmlns:a16="http://schemas.microsoft.com/office/drawing/2014/main" id="{8478FDCB-8998-2C66-871F-6D90284EF60B}"/>
+                <a16:creationId xmlns:a16="http://schemas.microsoft.com/office/drawing/2014/main" id="{D816836C-C968-6C4C-415A-50CDE45DBC01}"/>
               </a:ext>
             </a:extLst>
           </p:cNvPr>
@@ -1808,7 +1808,7 @@
           <a:bodyPr/>
           <a:lstStyle/>
           <a:p>
-            <a:fld id="{447A773B-5F38-40C9-9B92-3E3E66926537}" type="datetimeFigureOut">
+            <a:fld id="{D8618766-EDF6-4EC1-8B0B-D1DBC891E083}" type="datetimeFigureOut">
               <a:rPr lang="zh-CN" altLang="en-US" smtClean="0"/>
               <a:t>2024/3/10</a:t>
             </a:fld>
@@ -1821,7 +1821,7 @@
           <p:cNvPr id="8" name="页脚占位符 7">
             <a:extLst>
               <a:ext uri="{FF2B5EF4-FFF2-40B4-BE49-F238E27FC236}">
-                <a16:creationId xmlns:a16="http://schemas.microsoft.com/office/drawing/2014/main" id="{530A4C2C-1F82-8A6C-6D35-9D63615AE598}"/>
+                <a16:creationId xmlns:a16="http://schemas.microsoft.com/office/drawing/2014/main" id="{9DABA826-CDA0-B370-EFED-1F1AD2279C35}"/>
               </a:ext>
             </a:extLst>
           </p:cNvPr>
@@ -1846,7 +1846,7 @@
           <p:cNvPr id="9" name="灯片编号占位符 8">
             <a:extLst>
               <a:ext uri="{FF2B5EF4-FFF2-40B4-BE49-F238E27FC236}">
-                <a16:creationId xmlns:a16="http://schemas.microsoft.com/office/drawing/2014/main" id="{0B071132-30B2-B6AB-5D03-5AC3726D10D1}"/>
+                <a16:creationId xmlns:a16="http://schemas.microsoft.com/office/drawing/2014/main" id="{1BACE646-5276-46CF-0616-69C34CE55D27}"/>
               </a:ext>
             </a:extLst>
           </p:cNvPr>
@@ -1862,7 +1862,7 @@
           <a:bodyPr/>
           <a:lstStyle/>
           <a:p>
-            <a:fld id="{93D7060A-DA31-4792-A82C-ACA165BB327E}" type="slidenum">
+            <a:fld id="{982A9F3E-6540-4162-AC48-19594DF5F54A}" type="slidenum">
               <a:rPr lang="zh-CN" altLang="en-US" smtClean="0"/>
               <a:t>‹#›</a:t>
             </a:fld>
@@ -1873,7 +1873,7 @@
     </p:spTree>
     <p:extLst>
       <p:ext uri="{BB962C8B-B14F-4D97-AF65-F5344CB8AC3E}">
-        <p14:creationId xmlns:p14="http://schemas.microsoft.com/office/powerpoint/2010/main" val="835296238"/>
+        <p14:creationId xmlns:p14="http://schemas.microsoft.com/office/powerpoint/2010/main" val="2656169386"/>
       </p:ext>
     </p:extLst>
   </p:cSld>
@@ -1905,7 +1905,7 @@
           <p:cNvPr id="2" name="标题 1">
             <a:extLst>
               <a:ext uri="{FF2B5EF4-FFF2-40B4-BE49-F238E27FC236}">
-                <a16:creationId xmlns:a16="http://schemas.microsoft.com/office/drawing/2014/main" id="{52299FB5-3F6C-99D3-F28F-630E10A40BD0}"/>
+                <a16:creationId xmlns:a16="http://schemas.microsoft.com/office/drawing/2014/main" id="{1D3CCC8C-E8F1-15C3-92F0-D547E5104FEF}"/>
               </a:ext>
             </a:extLst>
           </p:cNvPr>
@@ -1933,7 +1933,7 @@
           <p:cNvPr id="3" name="日期占位符 2">
             <a:extLst>
               <a:ext uri="{FF2B5EF4-FFF2-40B4-BE49-F238E27FC236}">
-                <a16:creationId xmlns:a16="http://schemas.microsoft.com/office/drawing/2014/main" id="{A88AB8E3-CA54-0D30-FFA8-2485D434FD58}"/>
+                <a16:creationId xmlns:a16="http://schemas.microsoft.com/office/drawing/2014/main" id="{F356BB95-A8CD-CF40-13A0-A28FD5C806BD}"/>
               </a:ext>
             </a:extLst>
           </p:cNvPr>
@@ -1949,7 +1949,7 @@
           <a:bodyPr/>
           <a:lstStyle/>
           <a:p>
-            <a:fld id="{447A773B-5F38-40C9-9B92-3E3E66926537}" type="datetimeFigureOut">
+            <a:fld id="{D8618766-EDF6-4EC1-8B0B-D1DBC891E083}" type="datetimeFigureOut">
               <a:rPr lang="zh-CN" altLang="en-US" smtClean="0"/>
               <a:t>2024/3/10</a:t>
             </a:fld>
@@ -1962,7 +1962,7 @@
           <p:cNvPr id="4" name="页脚占位符 3">
             <a:extLst>
               <a:ext uri="{FF2B5EF4-FFF2-40B4-BE49-F238E27FC236}">
-                <a16:creationId xmlns:a16="http://schemas.microsoft.com/office/drawing/2014/main" id="{D4B8ECA6-71DB-DA3A-DF26-5381C4882079}"/>
+                <a16:creationId xmlns:a16="http://schemas.microsoft.com/office/drawing/2014/main" id="{96F0284E-22FD-A6A5-2A24-8E867D3B385E}"/>
               </a:ext>
             </a:extLst>
           </p:cNvPr>
@@ -1987,7 +1987,7 @@
           <p:cNvPr id="5" name="灯片编号占位符 4">
             <a:extLst>
               <a:ext uri="{FF2B5EF4-FFF2-40B4-BE49-F238E27FC236}">
-                <a16:creationId xmlns:a16="http://schemas.microsoft.com/office/drawing/2014/main" id="{B276E294-7A99-6113-6419-2F71DA27E707}"/>
+                <a16:creationId xmlns:a16="http://schemas.microsoft.com/office/drawing/2014/main" id="{09DA480A-D4B2-73B5-3381-5429918E814D}"/>
               </a:ext>
             </a:extLst>
           </p:cNvPr>
@@ -2003,7 +2003,7 @@
           <a:bodyPr/>
           <a:lstStyle/>
           <a:p>
-            <a:fld id="{93D7060A-DA31-4792-A82C-ACA165BB327E}" type="slidenum">
+            <a:fld id="{982A9F3E-6540-4162-AC48-19594DF5F54A}" type="slidenum">
               <a:rPr lang="zh-CN" altLang="en-US" smtClean="0"/>
               <a:t>‹#›</a:t>
             </a:fld>
@@ -2014,7 +2014,7 @@
     </p:spTree>
     <p:extLst>
       <p:ext uri="{BB962C8B-B14F-4D97-AF65-F5344CB8AC3E}">
-        <p14:creationId xmlns:p14="http://schemas.microsoft.com/office/powerpoint/2010/main" val="2807901836"/>
+        <p14:creationId xmlns:p14="http://schemas.microsoft.com/office/powerpoint/2010/main" val="2999824562"/>
       </p:ext>
     </p:extLst>
   </p:cSld>
@@ -2046,7 +2046,7 @@
           <p:cNvPr id="2" name="日期占位符 1">
             <a:extLst>
               <a:ext uri="{FF2B5EF4-FFF2-40B4-BE49-F238E27FC236}">
-                <a16:creationId xmlns:a16="http://schemas.microsoft.com/office/drawing/2014/main" id="{475A60B1-0362-A070-87FA-8C2FDEC5BE65}"/>
+                <a16:creationId xmlns:a16="http://schemas.microsoft.com/office/drawing/2014/main" id="{809DAD0C-4190-59CD-9CFA-614E75CAA223}"/>
               </a:ext>
             </a:extLst>
           </p:cNvPr>
@@ -2062,7 +2062,7 @@
           <a:bodyPr/>
           <a:lstStyle/>
           <a:p>
-            <a:fld id="{447A773B-5F38-40C9-9B92-3E3E66926537}" type="datetimeFigureOut">
+            <a:fld id="{D8618766-EDF6-4EC1-8B0B-D1DBC891E083}" type="datetimeFigureOut">
               <a:rPr lang="zh-CN" altLang="en-US" smtClean="0"/>
               <a:t>2024/3/10</a:t>
             </a:fld>
@@ -2075,7 +2075,7 @@
           <p:cNvPr id="3" name="页脚占位符 2">
             <a:extLst>
               <a:ext uri="{FF2B5EF4-FFF2-40B4-BE49-F238E27FC236}">
-                <a16:creationId xmlns:a16="http://schemas.microsoft.com/office/drawing/2014/main" id="{07B52B80-D12A-4E04-4A22-1DF93BD38755}"/>
+                <a16:creationId xmlns:a16="http://schemas.microsoft.com/office/drawing/2014/main" id="{8827FE4B-4CD9-BA75-D8A7-41142ABCA67E}"/>
               </a:ext>
             </a:extLst>
           </p:cNvPr>
@@ -2100,7 +2100,7 @@
           <p:cNvPr id="4" name="灯片编号占位符 3">
             <a:extLst>
               <a:ext uri="{FF2B5EF4-FFF2-40B4-BE49-F238E27FC236}">
-                <a16:creationId xmlns:a16="http://schemas.microsoft.com/office/drawing/2014/main" id="{EAF23785-8132-E748-6F59-7CB1DAC43E29}"/>
+                <a16:creationId xmlns:a16="http://schemas.microsoft.com/office/drawing/2014/main" id="{31B71592-450E-347C-82A4-54E5CE0EA810}"/>
               </a:ext>
             </a:extLst>
           </p:cNvPr>
@@ -2116,7 +2116,7 @@
           <a:bodyPr/>
           <a:lstStyle/>
           <a:p>
-            <a:fld id="{93D7060A-DA31-4792-A82C-ACA165BB327E}" type="slidenum">
+            <a:fld id="{982A9F3E-6540-4162-AC48-19594DF5F54A}" type="slidenum">
               <a:rPr lang="zh-CN" altLang="en-US" smtClean="0"/>
               <a:t>‹#›</a:t>
             </a:fld>
@@ -2127,7 +2127,7 @@
     </p:spTree>
     <p:extLst>
       <p:ext uri="{BB962C8B-B14F-4D97-AF65-F5344CB8AC3E}">
-        <p14:creationId xmlns:p14="http://schemas.microsoft.com/office/powerpoint/2010/main" val="2093073761"/>
+        <p14:creationId xmlns:p14="http://schemas.microsoft.com/office/powerpoint/2010/main" val="1428498885"/>
       </p:ext>
     </p:extLst>
   </p:cSld>
@@ -2159,7 +2159,7 @@
           <p:cNvPr id="2" name="标题 1">
             <a:extLst>
               <a:ext uri="{FF2B5EF4-FFF2-40B4-BE49-F238E27FC236}">
-                <a16:creationId xmlns:a16="http://schemas.microsoft.com/office/drawing/2014/main" id="{B243EE65-1613-98DF-EB46-09DA6A9E06D1}"/>
+                <a16:creationId xmlns:a16="http://schemas.microsoft.com/office/drawing/2014/main" id="{E7EFE2EB-0253-D017-7426-58A04B8B4578}"/>
               </a:ext>
             </a:extLst>
           </p:cNvPr>
@@ -2196,7 +2196,7 @@
           <p:cNvPr id="3" name="内容占位符 2">
             <a:extLst>
               <a:ext uri="{FF2B5EF4-FFF2-40B4-BE49-F238E27FC236}">
-                <a16:creationId xmlns:a16="http://schemas.microsoft.com/office/drawing/2014/main" id="{F52DA318-75FE-2307-19FE-B2C31ACD003E}"/>
+                <a16:creationId xmlns:a16="http://schemas.microsoft.com/office/drawing/2014/main" id="{788E1B42-161B-4EF9-892A-1BBC61BB3F45}"/>
               </a:ext>
             </a:extLst>
           </p:cNvPr>
@@ -2286,7 +2286,7 @@
           <p:cNvPr id="4" name="文本占位符 3">
             <a:extLst>
               <a:ext uri="{FF2B5EF4-FFF2-40B4-BE49-F238E27FC236}">
-                <a16:creationId xmlns:a16="http://schemas.microsoft.com/office/drawing/2014/main" id="{79210545-B9F3-D16D-4B75-FB63C5683EB5}"/>
+                <a16:creationId xmlns:a16="http://schemas.microsoft.com/office/drawing/2014/main" id="{B462322F-7E45-6F98-74A9-8661B5FCF26F}"/>
               </a:ext>
             </a:extLst>
           </p:cNvPr>
@@ -2357,7 +2357,7 @@
           <p:cNvPr id="5" name="日期占位符 4">
             <a:extLst>
               <a:ext uri="{FF2B5EF4-FFF2-40B4-BE49-F238E27FC236}">
-                <a16:creationId xmlns:a16="http://schemas.microsoft.com/office/drawing/2014/main" id="{16D4F0EC-2F24-5673-8981-4D8ACFC41FAC}"/>
+                <a16:creationId xmlns:a16="http://schemas.microsoft.com/office/drawing/2014/main" id="{34A594F2-9CA0-78F6-AE8F-5190612F5E9A}"/>
               </a:ext>
             </a:extLst>
           </p:cNvPr>
@@ -2373,7 +2373,7 @@
           <a:bodyPr/>
           <a:lstStyle/>
           <a:p>
-            <a:fld id="{447A773B-5F38-40C9-9B92-3E3E66926537}" type="datetimeFigureOut">
+            <a:fld id="{D8618766-EDF6-4EC1-8B0B-D1DBC891E083}" type="datetimeFigureOut">
               <a:rPr lang="zh-CN" altLang="en-US" smtClean="0"/>
               <a:t>2024/3/10</a:t>
             </a:fld>
@@ -2386,7 +2386,7 @@
           <p:cNvPr id="6" name="页脚占位符 5">
             <a:extLst>
               <a:ext uri="{FF2B5EF4-FFF2-40B4-BE49-F238E27FC236}">
-                <a16:creationId xmlns:a16="http://schemas.microsoft.com/office/drawing/2014/main" id="{1456402D-365A-2B5B-069F-3F73ED09D900}"/>
+                <a16:creationId xmlns:a16="http://schemas.microsoft.com/office/drawing/2014/main" id="{0201246A-D9DD-9654-38A7-FC312A4E9ED1}"/>
               </a:ext>
             </a:extLst>
           </p:cNvPr>
@@ -2411,7 +2411,7 @@
           <p:cNvPr id="7" name="灯片编号占位符 6">
             <a:extLst>
               <a:ext uri="{FF2B5EF4-FFF2-40B4-BE49-F238E27FC236}">
-                <a16:creationId xmlns:a16="http://schemas.microsoft.com/office/drawing/2014/main" id="{AC3C16F2-6600-F75A-1695-EBA6A4E1F869}"/>
+                <a16:creationId xmlns:a16="http://schemas.microsoft.com/office/drawing/2014/main" id="{14FC05A0-FD80-0230-BD56-DD75709B1766}"/>
               </a:ext>
             </a:extLst>
           </p:cNvPr>
@@ -2427,7 +2427,7 @@
           <a:bodyPr/>
           <a:lstStyle/>
           <a:p>
-            <a:fld id="{93D7060A-DA31-4792-A82C-ACA165BB327E}" type="slidenum">
+            <a:fld id="{982A9F3E-6540-4162-AC48-19594DF5F54A}" type="slidenum">
               <a:rPr lang="zh-CN" altLang="en-US" smtClean="0"/>
               <a:t>‹#›</a:t>
             </a:fld>
@@ -2438,7 +2438,7 @@
     </p:spTree>
     <p:extLst>
       <p:ext uri="{BB962C8B-B14F-4D97-AF65-F5344CB8AC3E}">
-        <p14:creationId xmlns:p14="http://schemas.microsoft.com/office/powerpoint/2010/main" val="2684048908"/>
+        <p14:creationId xmlns:p14="http://schemas.microsoft.com/office/powerpoint/2010/main" val="1830670904"/>
       </p:ext>
     </p:extLst>
   </p:cSld>
@@ -2470,7 +2470,7 @@
           <p:cNvPr id="2" name="标题 1">
             <a:extLst>
               <a:ext uri="{FF2B5EF4-FFF2-40B4-BE49-F238E27FC236}">
-                <a16:creationId xmlns:a16="http://schemas.microsoft.com/office/drawing/2014/main" id="{820C8814-D62C-A1AC-B8AC-86608B9FF1D9}"/>
+                <a16:creationId xmlns:a16="http://schemas.microsoft.com/office/drawing/2014/main" id="{27997100-0CC3-E0ED-5147-F6A548F3C638}"/>
               </a:ext>
             </a:extLst>
           </p:cNvPr>
@@ -2507,7 +2507,7 @@
           <p:cNvPr id="3" name="图片占位符 2">
             <a:extLst>
               <a:ext uri="{FF2B5EF4-FFF2-40B4-BE49-F238E27FC236}">
-                <a16:creationId xmlns:a16="http://schemas.microsoft.com/office/drawing/2014/main" id="{A42AD748-E8E8-B454-D46C-DCD73CED6B72}"/>
+                <a16:creationId xmlns:a16="http://schemas.microsoft.com/office/drawing/2014/main" id="{FE437186-69D4-44AA-FF36-2C9D2A7D1839}"/>
               </a:ext>
             </a:extLst>
           </p:cNvPr>
@@ -2574,7 +2574,7 @@
           <p:cNvPr id="4" name="文本占位符 3">
             <a:extLst>
               <a:ext uri="{FF2B5EF4-FFF2-40B4-BE49-F238E27FC236}">
-                <a16:creationId xmlns:a16="http://schemas.microsoft.com/office/drawing/2014/main" id="{BE32114D-3D9E-1B4B-15E7-F2B11D423C48}"/>
+                <a16:creationId xmlns:a16="http://schemas.microsoft.com/office/drawing/2014/main" id="{913A62F7-4257-E36A-E5AA-F563AAF4D25A}"/>
               </a:ext>
             </a:extLst>
           </p:cNvPr>
@@ -2645,7 +2645,7 @@
           <p:cNvPr id="5" name="日期占位符 4">
             <a:extLst>
               <a:ext uri="{FF2B5EF4-FFF2-40B4-BE49-F238E27FC236}">
-                <a16:creationId xmlns:a16="http://schemas.microsoft.com/office/drawing/2014/main" id="{5B0B9759-21E1-A939-03FE-A5E91AA07851}"/>
+                <a16:creationId xmlns:a16="http://schemas.microsoft.com/office/drawing/2014/main" id="{71748916-7AF5-9ED3-DE83-E98A68E6DEB6}"/>
               </a:ext>
             </a:extLst>
           </p:cNvPr>
@@ -2661,7 +2661,7 @@
           <a:bodyPr/>
           <a:lstStyle/>
           <a:p>
-            <a:fld id="{447A773B-5F38-40C9-9B92-3E3E66926537}" type="datetimeFigureOut">
+            <a:fld id="{D8618766-EDF6-4EC1-8B0B-D1DBC891E083}" type="datetimeFigureOut">
               <a:rPr lang="zh-CN" altLang="en-US" smtClean="0"/>
               <a:t>2024/3/10</a:t>
             </a:fld>
@@ -2674,7 +2674,7 @@
           <p:cNvPr id="6" name="页脚占位符 5">
             <a:extLst>
               <a:ext uri="{FF2B5EF4-FFF2-40B4-BE49-F238E27FC236}">
-                <a16:creationId xmlns:a16="http://schemas.microsoft.com/office/drawing/2014/main" id="{7A5F17DE-224B-5CC9-5D33-921E2B6A2721}"/>
+                <a16:creationId xmlns:a16="http://schemas.microsoft.com/office/drawing/2014/main" id="{D850D566-2F22-285F-2E66-5143C5028DBB}"/>
               </a:ext>
             </a:extLst>
           </p:cNvPr>
@@ -2699,7 +2699,7 @@
           <p:cNvPr id="7" name="灯片编号占位符 6">
             <a:extLst>
               <a:ext uri="{FF2B5EF4-FFF2-40B4-BE49-F238E27FC236}">
-                <a16:creationId xmlns:a16="http://schemas.microsoft.com/office/drawing/2014/main" id="{99413280-B618-E266-70BC-7507FF032830}"/>
+                <a16:creationId xmlns:a16="http://schemas.microsoft.com/office/drawing/2014/main" id="{6258AD66-D8D9-8985-F7E0-64BC9AF91B3F}"/>
               </a:ext>
             </a:extLst>
           </p:cNvPr>
@@ -2715,7 +2715,7 @@
           <a:bodyPr/>
           <a:lstStyle/>
           <a:p>
-            <a:fld id="{93D7060A-DA31-4792-A82C-ACA165BB327E}" type="slidenum">
+            <a:fld id="{982A9F3E-6540-4162-AC48-19594DF5F54A}" type="slidenum">
               <a:rPr lang="zh-CN" altLang="en-US" smtClean="0"/>
               <a:t>‹#›</a:t>
             </a:fld>
@@ -2726,7 +2726,7 @@
     </p:spTree>
     <p:extLst>
       <p:ext uri="{BB962C8B-B14F-4D97-AF65-F5344CB8AC3E}">
-        <p14:creationId xmlns:p14="http://schemas.microsoft.com/office/powerpoint/2010/main" val="2064792552"/>
+        <p14:creationId xmlns:p14="http://schemas.microsoft.com/office/powerpoint/2010/main" val="3200442552"/>
       </p:ext>
     </p:extLst>
   </p:cSld>
@@ -2763,7 +2763,7 @@
           <p:cNvPr id="2" name="标题占位符 1">
             <a:extLst>
               <a:ext uri="{FF2B5EF4-FFF2-40B4-BE49-F238E27FC236}">
-                <a16:creationId xmlns:a16="http://schemas.microsoft.com/office/drawing/2014/main" id="{EEE9C445-CA53-0068-065A-FEA11B6730E9}"/>
+                <a16:creationId xmlns:a16="http://schemas.microsoft.com/office/drawing/2014/main" id="{494C32D1-3781-1869-CE03-7A6462E827D3}"/>
               </a:ext>
             </a:extLst>
           </p:cNvPr>
@@ -2801,7 +2801,7 @@
           <p:cNvPr id="3" name="文本占位符 2">
             <a:extLst>
               <a:ext uri="{FF2B5EF4-FFF2-40B4-BE49-F238E27FC236}">
-                <a16:creationId xmlns:a16="http://schemas.microsoft.com/office/drawing/2014/main" id="{79555C03-85A6-A9BA-60EA-0693E2AF245A}"/>
+                <a16:creationId xmlns:a16="http://schemas.microsoft.com/office/drawing/2014/main" id="{FD954B93-1972-D8C4-9C0A-8E6DE8B6AC88}"/>
               </a:ext>
             </a:extLst>
           </p:cNvPr>
@@ -2868,7 +2868,7 @@
           <p:cNvPr id="4" name="日期占位符 3">
             <a:extLst>
               <a:ext uri="{FF2B5EF4-FFF2-40B4-BE49-F238E27FC236}">
-                <a16:creationId xmlns:a16="http://schemas.microsoft.com/office/drawing/2014/main" id="{ABA7B83D-E358-495B-8B8F-628CE4D589A6}"/>
+                <a16:creationId xmlns:a16="http://schemas.microsoft.com/office/drawing/2014/main" id="{B556D720-A842-5E7E-56F7-FD6FB041D633}"/>
               </a:ext>
             </a:extLst>
           </p:cNvPr>
@@ -2902,7 +2902,7 @@
             </a:lvl1pPr>
           </a:lstStyle>
           <a:p>
-            <a:fld id="{447A773B-5F38-40C9-9B92-3E3E66926537}" type="datetimeFigureOut">
+            <a:fld id="{D8618766-EDF6-4EC1-8B0B-D1DBC891E083}" type="datetimeFigureOut">
               <a:rPr lang="zh-CN" altLang="en-US" smtClean="0"/>
               <a:t>2024/3/10</a:t>
             </a:fld>
@@ -2915,7 +2915,7 @@
           <p:cNvPr id="5" name="页脚占位符 4">
             <a:extLst>
               <a:ext uri="{FF2B5EF4-FFF2-40B4-BE49-F238E27FC236}">
-                <a16:creationId xmlns:a16="http://schemas.microsoft.com/office/drawing/2014/main" id="{8C12F64E-AD83-EA65-D211-AE0B9FB03CC3}"/>
+                <a16:creationId xmlns:a16="http://schemas.microsoft.com/office/drawing/2014/main" id="{94C714C0-C443-6F36-7323-2B8F5BA39432}"/>
               </a:ext>
             </a:extLst>
           </p:cNvPr>
@@ -2958,7 +2958,7 @@
           <p:cNvPr id="6" name="灯片编号占位符 5">
             <a:extLst>
               <a:ext uri="{FF2B5EF4-FFF2-40B4-BE49-F238E27FC236}">
-                <a16:creationId xmlns:a16="http://schemas.microsoft.com/office/drawing/2014/main" id="{45C89AFD-3CF6-3048-50CA-C12888EB3BED}"/>
+                <a16:creationId xmlns:a16="http://schemas.microsoft.com/office/drawing/2014/main" id="{8052393F-FFB6-2780-BFB1-2E92476ABC39}"/>
               </a:ext>
             </a:extLst>
           </p:cNvPr>
@@ -2992,7 +2992,7 @@
             </a:lvl1pPr>
           </a:lstStyle>
           <a:p>
-            <a:fld id="{93D7060A-DA31-4792-A82C-ACA165BB327E}" type="slidenum">
+            <a:fld id="{982A9F3E-6540-4162-AC48-19594DF5F54A}" type="slidenum">
               <a:rPr lang="zh-CN" altLang="en-US" smtClean="0"/>
               <a:t>‹#›</a:t>
             </a:fld>
@@ -3003,7 +3003,7 @@
     </p:spTree>
     <p:extLst>
       <p:ext uri="{BB962C8B-B14F-4D97-AF65-F5344CB8AC3E}">
-        <p14:creationId xmlns:p14="http://schemas.microsoft.com/office/powerpoint/2010/main" val="980621306"/>
+        <p14:creationId xmlns:p14="http://schemas.microsoft.com/office/powerpoint/2010/main" val="3453266159"/>
       </p:ext>
     </p:extLst>
   </p:cSld>
@@ -3323,7 +3323,7 @@
       </p:grpSpPr>
       <p:pic>
         <p:nvPicPr>
-          <p:cNvPr id="753666" name="Picture 2" descr="735"/>
+          <p:cNvPr id="754690" name="Picture 2" descr="736"/>
           <p:cNvPicPr>
             <a:picLocks noChangeAspect="1" noChangeArrowheads="1"/>
           </p:cNvPicPr>
